--- a/Presentation/PresC4.pptx
+++ b/Presentation/PresC4.pptx
@@ -5,15 +5,16 @@
     <p:sldMasterId id="2147483719" r:id="rId1"/>
   </p:sldMasterIdLst>
   <p:notesMasterIdLst>
-    <p:notesMasterId r:id="rId8"/>
+    <p:notesMasterId r:id="rId9"/>
   </p:notesMasterIdLst>
   <p:sldIdLst>
     <p:sldId id="256" r:id="rId2"/>
     <p:sldId id="257" r:id="rId3"/>
     <p:sldId id="259" r:id="rId4"/>
-    <p:sldId id="262" r:id="rId5"/>
-    <p:sldId id="271" r:id="rId6"/>
-    <p:sldId id="261" r:id="rId7"/>
+    <p:sldId id="272" r:id="rId5"/>
+    <p:sldId id="262" r:id="rId6"/>
+    <p:sldId id="271" r:id="rId7"/>
+    <p:sldId id="261" r:id="rId8"/>
   </p:sldIdLst>
   <p:sldSz cx="12192000" cy="6858000"/>
   <p:notesSz cx="6858000" cy="9144000"/>
@@ -114,7 +115,21 @@
   </p:defaultTextStyle>
   <p:extLst>
     <p:ext uri="{EFAFB233-063F-42B5-8137-9DF3F51BA10A}">
-      <p15:sldGuideLst xmlns:p15="http://schemas.microsoft.com/office/powerpoint/2012/main"/>
+      <p15:sldGuideLst xmlns:p15="http://schemas.microsoft.com/office/powerpoint/2012/main">
+        <p15:guide id="1" orient="horz" pos="2160" userDrawn="1">
+          <p15:clr>
+            <a:srgbClr val="A4A3A4"/>
+          </p15:clr>
+        </p15:guide>
+        <p15:guide id="2" pos="3840" userDrawn="1">
+          <p15:clr>
+            <a:srgbClr val="A4A3A4"/>
+          </p15:clr>
+        </p15:guide>
+      </p15:sldGuideLst>
+    </p:ext>
+    <p:ext uri="{2D200454-40CA-4A62-9FC3-DE9A4176ACB9}">
+      <p15:notesGuideLst xmlns:p15="http://schemas.microsoft.com/office/powerpoint/2012/main"/>
     </p:ext>
   </p:extLst>
 </p:presentation>
@@ -6652,20 +6667,20 @@
       </p:sp>
       <p:sp>
         <p:nvSpPr>
-          <p:cNvPr id="5" name="PB"/>
+          <p:cNvPr id="3" name="PB"/>
           <p:cNvSpPr/>
           <p:nvPr/>
         </p:nvSpPr>
         <p:spPr>
           <a:xfrm>
             <a:off x="0" y="6705600"/>
-            <a:ext cx="2032000" cy="152400"/>
+            <a:ext cx="1741714" cy="152400"/>
           </a:xfrm>
           <a:prstGeom prst="rect">
             <a:avLst/>
           </a:prstGeom>
           <a:solidFill>
-            <a:srgbClr val="4ACBFA"/>
+            <a:srgbClr val="FFFFFF"/>
           </a:solidFill>
         </p:spPr>
         <p:style>
@@ -6795,6 +6810,13 @@
           </a:p>
           <a:p>
             <a:r>
+              <a:rPr lang="fr-FR" dirty="0" err="1"/>
+              <a:t>Advancement</a:t>
+            </a:r>
+            <a:endParaRPr lang="fr-FR" dirty="0" smtClean="0"/>
+          </a:p>
+          <a:p>
+            <a:r>
               <a:rPr lang="fr-FR" dirty="0" err="1" smtClean="0"/>
               <a:t>Deliverable</a:t>
             </a:r>
@@ -6844,20 +6866,20 @@
       </p:sp>
       <p:sp>
         <p:nvSpPr>
-          <p:cNvPr id="5" name="PB"/>
+          <p:cNvPr id="4" name="PB"/>
           <p:cNvSpPr/>
           <p:nvPr/>
         </p:nvSpPr>
         <p:spPr>
           <a:xfrm>
             <a:off x="0" y="6705600"/>
-            <a:ext cx="4064000" cy="152400"/>
+            <a:ext cx="3483428" cy="152400"/>
           </a:xfrm>
           <a:prstGeom prst="rect">
             <a:avLst/>
           </a:prstGeom>
           <a:solidFill>
-            <a:srgbClr val="4ACBFA"/>
+            <a:srgbClr val="FFFFFF"/>
           </a:solidFill>
         </p:spPr>
         <p:style>
@@ -6977,7 +6999,7 @@
       </p:sp>
       <p:pic>
         <p:nvPicPr>
-          <p:cNvPr id="13" name="Image 12"/>
+          <p:cNvPr id="2" name="Image 1"/>
           <p:cNvPicPr>
             <a:picLocks noChangeAspect="1"/>
           </p:cNvPicPr>
@@ -6997,8 +7019,8 @@
         </p:blipFill>
         <p:spPr>
           <a:xfrm>
-            <a:off x="3689350" y="997527"/>
-            <a:ext cx="4438650" cy="5629275"/>
+            <a:off x="975076" y="716321"/>
+            <a:ext cx="11083916" cy="5532079"/>
           </a:xfrm>
           <a:prstGeom prst="rect">
             <a:avLst/>
@@ -7007,20 +7029,20 @@
       </p:pic>
       <p:sp>
         <p:nvSpPr>
-          <p:cNvPr id="3" name="PB"/>
+          <p:cNvPr id="4" name="PB"/>
           <p:cNvSpPr/>
           <p:nvPr/>
         </p:nvSpPr>
         <p:spPr>
           <a:xfrm>
             <a:off x="0" y="6705600"/>
-            <a:ext cx="6096000" cy="152400"/>
+            <a:ext cx="5225143" cy="152400"/>
           </a:xfrm>
           <a:prstGeom prst="rect">
             <a:avLst/>
           </a:prstGeom>
           <a:solidFill>
-            <a:srgbClr val="4ACBFA"/>
+            <a:srgbClr val="FFFFFF"/>
           </a:solidFill>
         </p:spPr>
         <p:style>
@@ -7087,154 +7109,7 @@
       </p:grpSpPr>
       <p:sp>
         <p:nvSpPr>
-          <p:cNvPr id="2" name="Titre 1"/>
-          <p:cNvSpPr>
-            <a:spLocks noGrp="1"/>
-          </p:cNvSpPr>
-          <p:nvPr>
-            <p:ph type="title"/>
-          </p:nvPr>
-        </p:nvSpPr>
-        <p:spPr>
-          <a:xfrm>
-            <a:off x="1086644" y="685800"/>
-            <a:ext cx="10018713" cy="1752599"/>
-          </a:xfrm>
-        </p:spPr>
-        <p:txBody>
-          <a:bodyPr/>
-          <a:lstStyle/>
-          <a:p>
-            <a:r>
-              <a:rPr lang="fr-FR" dirty="0" err="1"/>
-              <a:t>Deliverable</a:t>
-            </a:r>
-            <a:endParaRPr lang="fr-FR" dirty="0"/>
-          </a:p>
-        </p:txBody>
-      </p:sp>
-      <p:sp>
-        <p:nvSpPr>
-          <p:cNvPr id="3" name="Espace réservé du contenu 2"/>
-          <p:cNvSpPr>
-            <a:spLocks noGrp="1"/>
-          </p:cNvSpPr>
-          <p:nvPr>
-            <p:ph idx="1"/>
-          </p:nvPr>
-        </p:nvSpPr>
-        <p:spPr>
-          <a:xfrm>
-            <a:off x="3418088" y="2525486"/>
-            <a:ext cx="5355825" cy="2556193"/>
-          </a:xfrm>
-        </p:spPr>
-        <p:txBody>
-          <a:bodyPr numCol="1">
-            <a:normAutofit/>
-          </a:bodyPr>
-          <a:lstStyle/>
-          <a:p>
-            <a:r>
-              <a:rPr lang="fr-FR" sz="1800" b="1" dirty="0" err="1" smtClean="0"/>
-              <a:t>Some</a:t>
-            </a:r>
-            <a:r>
-              <a:rPr lang="fr-FR" sz="1800" b="1" dirty="0" smtClean="0"/>
-              <a:t> documentations : </a:t>
-            </a:r>
-            <a:r>
-              <a:rPr lang="fr-FR" sz="1800" b="1" dirty="0" err="1" smtClean="0"/>
-              <a:t>Ansible</a:t>
-            </a:r>
-            <a:r>
-              <a:rPr lang="fr-FR" sz="1800" b="1" dirty="0" smtClean="0"/>
-              <a:t> &amp; ELK</a:t>
-            </a:r>
-          </a:p>
-          <a:p>
-            <a:r>
-              <a:rPr lang="fr-FR" sz="1800" b="1" dirty="0" smtClean="0"/>
-              <a:t>Install </a:t>
-            </a:r>
-            <a:r>
-              <a:rPr lang="fr-FR" sz="1800" b="1" dirty="0" err="1" smtClean="0"/>
-              <a:t>playbooks</a:t>
-            </a:r>
-            <a:r>
-              <a:rPr lang="fr-FR" sz="1800" b="1" dirty="0" smtClean="0"/>
-              <a:t> </a:t>
-            </a:r>
-            <a:endParaRPr lang="fr-FR" sz="1800" b="1" dirty="0"/>
-          </a:p>
-          <a:p>
-            <a:r>
-              <a:rPr lang="fr-FR" sz="1800" b="1" dirty="0" err="1" smtClean="0"/>
-              <a:t>Rsyslog</a:t>
-            </a:r>
-            <a:r>
-              <a:rPr lang="fr-FR" sz="1800" b="1" dirty="0" smtClean="0"/>
-              <a:t> </a:t>
-            </a:r>
-            <a:r>
-              <a:rPr lang="fr-FR" sz="1800" b="1" dirty="0" err="1" smtClean="0"/>
-              <a:t>conf</a:t>
-            </a:r>
-            <a:r>
-              <a:rPr lang="fr-FR" sz="1800" b="1" dirty="0" smtClean="0"/>
-              <a:t> files</a:t>
-            </a:r>
-          </a:p>
-          <a:p>
-            <a:r>
-              <a:rPr lang="fr-FR" sz="1800" b="1" dirty="0" err="1" smtClean="0"/>
-              <a:t>Logstash</a:t>
-            </a:r>
-            <a:r>
-              <a:rPr lang="fr-FR" sz="1800" b="1" dirty="0" smtClean="0"/>
-              <a:t> </a:t>
-            </a:r>
-            <a:r>
-              <a:rPr lang="fr-FR" sz="1800" b="1" dirty="0" err="1" smtClean="0"/>
-              <a:t>groks</a:t>
-            </a:r>
-            <a:endParaRPr lang="fr-FR" sz="1800" b="1" dirty="0" smtClean="0"/>
-          </a:p>
-          <a:p>
-            <a:r>
-              <a:rPr lang="fr-FR" sz="1800" b="1" dirty="0" err="1" smtClean="0"/>
-              <a:t>Templates</a:t>
-            </a:r>
-            <a:r>
-              <a:rPr lang="fr-FR" sz="1800" b="1" dirty="0" smtClean="0"/>
-              <a:t> exemples (</a:t>
-            </a:r>
-            <a:r>
-              <a:rPr lang="fr-FR" sz="1800" b="1" dirty="0" err="1" smtClean="0"/>
-              <a:t>nginx,syslog,apache</a:t>
-            </a:r>
-            <a:r>
-              <a:rPr lang="fr-FR" sz="1800" b="1" dirty="0" smtClean="0"/>
-              <a:t>,</a:t>
-            </a:r>
-            <a:r>
-              <a:rPr lang="is-IS" sz="1800" b="1" dirty="0" smtClean="0"/>
-              <a:t>…</a:t>
-            </a:r>
-            <a:r>
-              <a:rPr lang="fr-FR" sz="1800" b="1" dirty="0" smtClean="0"/>
-              <a:t>)</a:t>
-            </a:r>
-            <a:endParaRPr lang="fr-FR" sz="1800" b="1" dirty="0" smtClean="0"/>
-          </a:p>
-          <a:p>
-            <a:endParaRPr lang="fr-FR" sz="1800" dirty="0"/>
-          </a:p>
-        </p:txBody>
-      </p:sp>
-      <p:sp>
-        <p:nvSpPr>
-          <p:cNvPr id="4" name="Espace réservé du numéro de diapositive 3"/>
+          <p:cNvPr id="9" name="Espace réservé du numéro de diapositive 8"/>
           <p:cNvSpPr>
             <a:spLocks noGrp="1"/>
           </p:cNvSpPr>
@@ -7257,14 +7132,14 @@
       </p:sp>
       <p:sp>
         <p:nvSpPr>
-          <p:cNvPr id="6" name="ZoneTexte 5"/>
+          <p:cNvPr id="12" name="ZoneTexte 11"/>
           <p:cNvSpPr txBox="1"/>
           <p:nvPr/>
         </p:nvSpPr>
         <p:spPr>
           <a:xfrm>
-            <a:off x="1700310" y="5168766"/>
-            <a:ext cx="8599021" cy="523220"/>
+            <a:off x="1551709" y="351196"/>
+            <a:ext cx="5655873" cy="646331"/>
           </a:xfrm>
           <a:prstGeom prst="rect">
             <a:avLst/>
@@ -7272,59 +7147,65 @@
           <a:noFill/>
         </p:spPr>
         <p:txBody>
-          <a:bodyPr wrap="none" rtlCol="0">
+          <a:bodyPr wrap="square" rtlCol="0">
             <a:spAutoFit/>
           </a:bodyPr>
           <a:lstStyle/>
           <a:p>
             <a:r>
-              <a:rPr lang="fr-FR" sz="2800" dirty="0" err="1" smtClean="0"/>
-              <a:t>Available</a:t>
-            </a:r>
-            <a:r>
-              <a:rPr lang="fr-FR" sz="2800" dirty="0" smtClean="0"/>
-              <a:t> </a:t>
-            </a:r>
-            <a:r>
-              <a:rPr lang="fr-FR" sz="2800" dirty="0" err="1" smtClean="0"/>
-              <a:t>here</a:t>
-            </a:r>
-            <a:r>
-              <a:rPr lang="fr-FR" sz="2800" dirty="0"/>
-              <a:t> </a:t>
-            </a:r>
-            <a:r>
-              <a:rPr lang="fr-FR" sz="2800" dirty="0">
-                <a:hlinkClick r:id="rId2"/>
-              </a:rPr>
-              <a:t>https://</a:t>
-            </a:r>
-            <a:r>
-              <a:rPr lang="fr-FR" sz="2800" dirty="0" smtClean="0">
-                <a:hlinkClick r:id="rId2"/>
-              </a:rPr>
-              <a:t>github.com/Nodulaire/ELK-Ansible</a:t>
-            </a:r>
-            <a:endParaRPr lang="fr-FR" sz="2800" dirty="0" smtClean="0"/>
-          </a:p>
-        </p:txBody>
-      </p:sp>
-      <p:sp>
-        <p:nvSpPr>
-          <p:cNvPr id="7" name="PB"/>
+              <a:rPr lang="fr-FR" sz="3600" dirty="0" err="1"/>
+              <a:t>Advancement</a:t>
+            </a:r>
+            <a:endParaRPr lang="fr-FR" dirty="0"/>
+          </a:p>
+        </p:txBody>
+      </p:sp>
+      <p:pic>
+        <p:nvPicPr>
+          <p:cNvPr id="4" name="Image 3"/>
+          <p:cNvPicPr>
+            <a:picLocks noChangeAspect="1"/>
+          </p:cNvPicPr>
+          <p:nvPr/>
+        </p:nvPicPr>
+        <p:blipFill>
+          <a:blip r:embed="rId2">
+            <a:extLst>
+              <a:ext uri="{28A0092B-C50C-407E-A947-70E740481C1C}">
+                <a14:useLocalDpi xmlns:a14="http://schemas.microsoft.com/office/drawing/2010/main" val="0"/>
+              </a:ext>
+            </a:extLst>
+          </a:blip>
+          <a:stretch>
+            <a:fillRect/>
+          </a:stretch>
+        </p:blipFill>
+        <p:spPr>
+          <a:xfrm>
+            <a:off x="1551709" y="1358899"/>
+            <a:ext cx="10058400" cy="4163746"/>
+          </a:xfrm>
+          <a:prstGeom prst="rect">
+            <a:avLst/>
+          </a:prstGeom>
+        </p:spPr>
+      </p:pic>
+      <p:sp>
+        <p:nvSpPr>
+          <p:cNvPr id="5" name="PB"/>
           <p:cNvSpPr/>
           <p:nvPr/>
         </p:nvSpPr>
         <p:spPr>
           <a:xfrm>
             <a:off x="0" y="6705600"/>
-            <a:ext cx="8128000" cy="152400"/>
+            <a:ext cx="6966857" cy="152400"/>
           </a:xfrm>
           <a:prstGeom prst="rect">
             <a:avLst/>
           </a:prstGeom>
           <a:solidFill>
-            <a:srgbClr val="4ACBFA"/>
+            <a:srgbClr val="FFFFFF"/>
           </a:solidFill>
         </p:spPr>
         <p:style>
@@ -7355,7 +7236,7 @@
     </p:spTree>
     <p:extLst>
       <p:ext uri="{BB962C8B-B14F-4D97-AF65-F5344CB8AC3E}">
-        <p14:creationId xmlns:p14="http://schemas.microsoft.com/office/powerpoint/2010/main" val="1128292480"/>
+        <p14:creationId xmlns:p14="http://schemas.microsoft.com/office/powerpoint/2010/main" val="1012075996"/>
       </p:ext>
     </p:extLst>
   </p:cSld>
@@ -7411,15 +7292,7 @@
           <a:p>
             <a:r>
               <a:rPr lang="fr-FR" dirty="0" err="1"/>
-              <a:t>B</a:t>
-            </a:r>
-            <a:r>
-              <a:rPr lang="fr-FR" dirty="0" err="1" smtClean="0"/>
-              <a:t>locking</a:t>
-            </a:r>
-            <a:r>
-              <a:rPr lang="fr-FR" dirty="0" smtClean="0"/>
-              <a:t> point</a:t>
+              <a:t>Deliverable</a:t>
             </a:r>
             <a:endParaRPr lang="fr-FR" dirty="0"/>
           </a:p>
@@ -7437,8 +7310,8 @@
         </p:nvSpPr>
         <p:spPr>
           <a:xfrm>
-            <a:off x="2880227" y="2213127"/>
-            <a:ext cx="6431547" cy="1939637"/>
+            <a:off x="3418088" y="2525486"/>
+            <a:ext cx="5355825" cy="2556193"/>
           </a:xfrm>
         </p:spPr>
         <p:txBody>
@@ -7448,54 +7321,98 @@
           <a:lstStyle/>
           <a:p>
             <a:r>
+              <a:rPr lang="fr-FR" sz="1800" b="1" dirty="0" err="1" smtClean="0"/>
+              <a:t>Some</a:t>
+            </a:r>
+            <a:r>
               <a:rPr lang="fr-FR" sz="1800" b="1" dirty="0" smtClean="0"/>
-              <a:t>Standardisation of the </a:t>
+              <a:t> documentations : </a:t>
             </a:r>
             <a:r>
               <a:rPr lang="fr-FR" sz="1800" b="1" dirty="0" err="1" smtClean="0"/>
-              <a:t>received</a:t>
+              <a:t>Ansible</a:t>
             </a:r>
             <a:r>
               <a:rPr lang="fr-FR" sz="1800" b="1" dirty="0" smtClean="0"/>
-              <a:t> logs ( </a:t>
+              <a:t> &amp; ELK</a:t>
+            </a:r>
+          </a:p>
+          <a:p>
+            <a:r>
+              <a:rPr lang="fr-FR" sz="1800" b="1" dirty="0" smtClean="0"/>
+              <a:t>Install </a:t>
             </a:r>
             <a:r>
               <a:rPr lang="fr-FR" sz="1800" b="1" dirty="0" err="1" smtClean="0"/>
-              <a:t>grok</a:t>
-            </a:r>
-            <a:r>
-              <a:rPr lang="fr-FR" sz="1800" b="1" dirty="0" smtClean="0"/>
-              <a:t> )</a:t>
-            </a:r>
-          </a:p>
-          <a:p>
-            <a:r>
-              <a:rPr lang="fr-FR" sz="1800" b="1" dirty="0" err="1" smtClean="0"/>
-              <a:t>Sizing</a:t>
-            </a:r>
-            <a:r>
-              <a:rPr lang="fr-FR" sz="1800" b="1" dirty="0" smtClean="0"/>
-              <a:t> of the hardware</a:t>
-            </a:r>
-          </a:p>
-          <a:p>
-            <a:r>
-              <a:rPr lang="fr-FR" sz="1800" b="1" dirty="0" smtClean="0"/>
-              <a:t>Relevant </a:t>
-            </a:r>
-            <a:r>
-              <a:rPr lang="fr-FR" sz="1800" b="1" dirty="0" err="1" smtClean="0"/>
-              <a:t>kibana</a:t>
+              <a:t>playbooks</a:t>
             </a:r>
             <a:r>
               <a:rPr lang="fr-FR" sz="1800" b="1" dirty="0" smtClean="0"/>
               <a:t> </a:t>
             </a:r>
+            <a:endParaRPr lang="fr-FR" sz="1800" b="1" dirty="0"/>
+          </a:p>
+          <a:p>
             <a:r>
               <a:rPr lang="fr-FR" sz="1800" b="1" dirty="0" err="1" smtClean="0"/>
-              <a:t>dashboard</a:t>
+              <a:t>Rsyslog</a:t>
+            </a:r>
+            <a:r>
+              <a:rPr lang="fr-FR" sz="1800" b="1" dirty="0" smtClean="0"/>
+              <a:t> </a:t>
+            </a:r>
+            <a:r>
+              <a:rPr lang="fr-FR" sz="1800" b="1" dirty="0" err="1" smtClean="0"/>
+              <a:t>conf</a:t>
+            </a:r>
+            <a:r>
+              <a:rPr lang="fr-FR" sz="1800" b="1" dirty="0" smtClean="0"/>
+              <a:t> files</a:t>
+            </a:r>
+          </a:p>
+          <a:p>
+            <a:r>
+              <a:rPr lang="fr-FR" sz="1800" b="1" dirty="0" err="1" smtClean="0"/>
+              <a:t>Logstash</a:t>
+            </a:r>
+            <a:r>
+              <a:rPr lang="fr-FR" sz="1800" b="1" dirty="0" smtClean="0"/>
+              <a:t> </a:t>
+            </a:r>
+            <a:r>
+              <a:rPr lang="fr-FR" sz="1800" b="1" dirty="0" err="1" smtClean="0"/>
+              <a:t>groks</a:t>
             </a:r>
             <a:endParaRPr lang="fr-FR" sz="1800" b="1" dirty="0" smtClean="0"/>
+          </a:p>
+          <a:p>
+            <a:r>
+              <a:rPr lang="fr-FR" sz="1800" b="1" dirty="0" err="1" smtClean="0"/>
+              <a:t>Templates</a:t>
+            </a:r>
+            <a:r>
+              <a:rPr lang="fr-FR" sz="1800" b="1" dirty="0" smtClean="0"/>
+              <a:t> exemples (</a:t>
+            </a:r>
+            <a:r>
+              <a:rPr lang="fr-FR" sz="1800" b="1" dirty="0" err="1" smtClean="0"/>
+              <a:t>nginx,syslog,apache</a:t>
+            </a:r>
+            <a:r>
+              <a:rPr lang="fr-FR" sz="1800" b="1" dirty="0" smtClean="0"/>
+              <a:t>,</a:t>
+            </a:r>
+            <a:r>
+              <a:rPr lang="is-IS" sz="1800" b="1" dirty="0" smtClean="0"/>
+              <a:t>…</a:t>
+            </a:r>
+            <a:r>
+              <a:rPr lang="fr-FR" sz="1800" b="1" dirty="0" smtClean="0"/>
+              <a:t>)</a:t>
+            </a:r>
+          </a:p>
+          <a:p>
+            <a:endParaRPr lang="fr-FR" sz="1800" dirty="0"/>
           </a:p>
         </p:txBody>
       </p:sp>
@@ -7524,14 +7441,14 @@
       </p:sp>
       <p:sp>
         <p:nvSpPr>
-          <p:cNvPr id="5" name="ZoneTexte 4"/>
+          <p:cNvPr id="6" name="ZoneTexte 5"/>
           <p:cNvSpPr txBox="1"/>
           <p:nvPr/>
         </p:nvSpPr>
         <p:spPr>
           <a:xfrm>
-            <a:off x="5726243" y="3028013"/>
-            <a:ext cx="184731" cy="369332"/>
+            <a:off x="1700310" y="5168766"/>
+            <a:ext cx="8599021" cy="523220"/>
           </a:xfrm>
           <a:prstGeom prst="rect">
             <a:avLst/>
@@ -7544,26 +7461,54 @@
           </a:bodyPr>
           <a:lstStyle/>
           <a:p>
-            <a:endParaRPr lang="fr-FR" dirty="0"/>
-          </a:p>
-        </p:txBody>
-      </p:sp>
-      <p:sp>
-        <p:nvSpPr>
-          <p:cNvPr id="7" name="PB"/>
+            <a:r>
+              <a:rPr lang="fr-FR" sz="2800" dirty="0" err="1" smtClean="0"/>
+              <a:t>Available</a:t>
+            </a:r>
+            <a:r>
+              <a:rPr lang="fr-FR" sz="2800" dirty="0" smtClean="0"/>
+              <a:t> </a:t>
+            </a:r>
+            <a:r>
+              <a:rPr lang="fr-FR" sz="2800" dirty="0" err="1" smtClean="0"/>
+              <a:t>here</a:t>
+            </a:r>
+            <a:r>
+              <a:rPr lang="fr-FR" sz="2800" dirty="0"/>
+              <a:t> </a:t>
+            </a:r>
+            <a:r>
+              <a:rPr lang="fr-FR" sz="2800" dirty="0">
+                <a:hlinkClick r:id="rId2"/>
+              </a:rPr>
+              <a:t>https://</a:t>
+            </a:r>
+            <a:r>
+              <a:rPr lang="fr-FR" sz="2800" dirty="0" smtClean="0">
+                <a:hlinkClick r:id="rId2"/>
+              </a:rPr>
+              <a:t>github.com/Nodulaire/ELK-Ansible</a:t>
+            </a:r>
+            <a:endParaRPr lang="fr-FR" sz="2800" dirty="0" smtClean="0"/>
+          </a:p>
+        </p:txBody>
+      </p:sp>
+      <p:sp>
+        <p:nvSpPr>
+          <p:cNvPr id="5" name="PB"/>
           <p:cNvSpPr/>
           <p:nvPr/>
         </p:nvSpPr>
         <p:spPr>
           <a:xfrm>
             <a:off x="0" y="6705600"/>
-            <a:ext cx="10160000" cy="152400"/>
+            <a:ext cx="8708572" cy="152400"/>
           </a:xfrm>
           <a:prstGeom prst="rect">
             <a:avLst/>
           </a:prstGeom>
           <a:solidFill>
-            <a:srgbClr val="4ACBFA"/>
+            <a:srgbClr val="FFFFFF"/>
           </a:solidFill>
         </p:spPr>
         <p:style>
@@ -7594,7 +7539,7 @@
     </p:spTree>
     <p:extLst>
       <p:ext uri="{BB962C8B-B14F-4D97-AF65-F5344CB8AC3E}">
-        <p14:creationId xmlns:p14="http://schemas.microsoft.com/office/powerpoint/2010/main" val="1526823771"/>
+        <p14:creationId xmlns:p14="http://schemas.microsoft.com/office/powerpoint/2010/main" val="1128292480"/>
       </p:ext>
     </p:extLst>
   </p:cSld>
@@ -7649,6 +7594,256 @@
           <a:lstStyle/>
           <a:p>
             <a:r>
+              <a:rPr lang="fr-FR" dirty="0" err="1"/>
+              <a:t>B</a:t>
+            </a:r>
+            <a:r>
+              <a:rPr lang="fr-FR" dirty="0" err="1" smtClean="0"/>
+              <a:t>locking</a:t>
+            </a:r>
+            <a:r>
+              <a:rPr lang="fr-FR" dirty="0" smtClean="0"/>
+              <a:t> point</a:t>
+            </a:r>
+            <a:endParaRPr lang="fr-FR" dirty="0"/>
+          </a:p>
+        </p:txBody>
+      </p:sp>
+      <p:sp>
+        <p:nvSpPr>
+          <p:cNvPr id="3" name="Espace réservé du contenu 2"/>
+          <p:cNvSpPr>
+            <a:spLocks noGrp="1"/>
+          </p:cNvSpPr>
+          <p:nvPr>
+            <p:ph idx="1"/>
+          </p:nvPr>
+        </p:nvSpPr>
+        <p:spPr>
+          <a:xfrm>
+            <a:off x="2880227" y="2213127"/>
+            <a:ext cx="6431547" cy="1939637"/>
+          </a:xfrm>
+        </p:spPr>
+        <p:txBody>
+          <a:bodyPr numCol="1">
+            <a:normAutofit/>
+          </a:bodyPr>
+          <a:lstStyle/>
+          <a:p>
+            <a:r>
+              <a:rPr lang="fr-FR" sz="1800" b="1" dirty="0" smtClean="0"/>
+              <a:t>Standardisation of the </a:t>
+            </a:r>
+            <a:r>
+              <a:rPr lang="fr-FR" sz="1800" b="1" dirty="0" err="1" smtClean="0"/>
+              <a:t>received</a:t>
+            </a:r>
+            <a:r>
+              <a:rPr lang="fr-FR" sz="1800" b="1" dirty="0" smtClean="0"/>
+              <a:t> logs ( </a:t>
+            </a:r>
+            <a:r>
+              <a:rPr lang="fr-FR" sz="1800" b="1" dirty="0" err="1" smtClean="0"/>
+              <a:t>grok</a:t>
+            </a:r>
+            <a:r>
+              <a:rPr lang="fr-FR" sz="1800" b="1" dirty="0" smtClean="0"/>
+              <a:t> )</a:t>
+            </a:r>
+          </a:p>
+          <a:p>
+            <a:r>
+              <a:rPr lang="fr-FR" sz="1800" b="1" dirty="0" err="1" smtClean="0"/>
+              <a:t>Sizing</a:t>
+            </a:r>
+            <a:r>
+              <a:rPr lang="fr-FR" sz="1800" b="1" dirty="0" smtClean="0"/>
+              <a:t> of the hardware</a:t>
+            </a:r>
+          </a:p>
+          <a:p>
+            <a:r>
+              <a:rPr lang="fr-FR" sz="1800" b="1" dirty="0" smtClean="0"/>
+              <a:t>Relevant </a:t>
+            </a:r>
+            <a:r>
+              <a:rPr lang="fr-FR" sz="1800" b="1" dirty="0" err="1" smtClean="0"/>
+              <a:t>kibana</a:t>
+            </a:r>
+            <a:r>
+              <a:rPr lang="fr-FR" sz="1800" b="1" dirty="0" smtClean="0"/>
+              <a:t> </a:t>
+            </a:r>
+            <a:r>
+              <a:rPr lang="fr-FR" sz="1800" b="1" dirty="0" err="1" smtClean="0"/>
+              <a:t>dashboard</a:t>
+            </a:r>
+            <a:endParaRPr lang="fr-FR" sz="1800" b="1" dirty="0" smtClean="0"/>
+          </a:p>
+          <a:p>
+            <a:r>
+              <a:rPr lang="fr-FR" sz="1800" b="1" dirty="0" smtClean="0"/>
+              <a:t>PKI </a:t>
+            </a:r>
+            <a:r>
+              <a:rPr lang="fr-FR" sz="1800" b="1" dirty="0" err="1" smtClean="0"/>
+              <a:t>Integration</a:t>
+            </a:r>
+            <a:endParaRPr lang="fr-FR" sz="1800" b="1" dirty="0" smtClean="0"/>
+          </a:p>
+        </p:txBody>
+      </p:sp>
+      <p:sp>
+        <p:nvSpPr>
+          <p:cNvPr id="4" name="Espace réservé du numéro de diapositive 3"/>
+          <p:cNvSpPr>
+            <a:spLocks noGrp="1"/>
+          </p:cNvSpPr>
+          <p:nvPr>
+            <p:ph type="sldNum" sz="quarter" idx="12"/>
+          </p:nvPr>
+        </p:nvSpPr>
+        <p:spPr/>
+        <p:txBody>
+          <a:bodyPr/>
+          <a:lstStyle/>
+          <a:p>
+            <a:fld id="{0DD03FE7-2333-2949-8B32-25F7C937CE7F}" type="slidenum">
+              <a:rPr lang="fr-FR" smtClean="0"/>
+              <a:t>6</a:t>
+            </a:fld>
+            <a:endParaRPr lang="fr-FR"/>
+          </a:p>
+        </p:txBody>
+      </p:sp>
+      <p:sp>
+        <p:nvSpPr>
+          <p:cNvPr id="5" name="ZoneTexte 4"/>
+          <p:cNvSpPr txBox="1"/>
+          <p:nvPr/>
+        </p:nvSpPr>
+        <p:spPr>
+          <a:xfrm>
+            <a:off x="5726243" y="3028013"/>
+            <a:ext cx="184731" cy="369332"/>
+          </a:xfrm>
+          <a:prstGeom prst="rect">
+            <a:avLst/>
+          </a:prstGeom>
+          <a:noFill/>
+        </p:spPr>
+        <p:txBody>
+          <a:bodyPr wrap="none" rtlCol="0">
+            <a:spAutoFit/>
+          </a:bodyPr>
+          <a:lstStyle/>
+          <a:p>
+            <a:endParaRPr lang="fr-FR" dirty="0"/>
+          </a:p>
+        </p:txBody>
+      </p:sp>
+      <p:sp>
+        <p:nvSpPr>
+          <p:cNvPr id="6" name="PB"/>
+          <p:cNvSpPr/>
+          <p:nvPr/>
+        </p:nvSpPr>
+        <p:spPr>
+          <a:xfrm>
+            <a:off x="0" y="6705600"/>
+            <a:ext cx="10450285" cy="152400"/>
+          </a:xfrm>
+          <a:prstGeom prst="rect">
+            <a:avLst/>
+          </a:prstGeom>
+          <a:solidFill>
+            <a:srgbClr val="FFFFFF"/>
+          </a:solidFill>
+        </p:spPr>
+        <p:style>
+          <a:lnRef idx="2">
+            <a:schemeClr val="accent1">
+              <a:shade val="50000"/>
+            </a:schemeClr>
+          </a:lnRef>
+          <a:fillRef idx="1">
+            <a:schemeClr val="accent1"/>
+          </a:fillRef>
+          <a:effectRef idx="0">
+            <a:schemeClr val="accent1"/>
+          </a:effectRef>
+          <a:fontRef idx="minor">
+            <a:schemeClr val="lt1"/>
+          </a:fontRef>
+        </p:style>
+        <p:txBody>
+          <a:bodyPr rtlCol="0" anchor="ctr"/>
+          <a:lstStyle/>
+          <a:p>
+            <a:pPr algn="ctr"/>
+            <a:endParaRPr lang="fr-FR"/>
+          </a:p>
+        </p:txBody>
+      </p:sp>
+    </p:spTree>
+    <p:extLst>
+      <p:ext uri="{BB962C8B-B14F-4D97-AF65-F5344CB8AC3E}">
+        <p14:creationId xmlns:p14="http://schemas.microsoft.com/office/powerpoint/2010/main" val="1526823771"/>
+      </p:ext>
+    </p:extLst>
+  </p:cSld>
+  <p:clrMapOvr>
+    <a:masterClrMapping/>
+  </p:clrMapOvr>
+  <p:timing>
+    <p:tnLst>
+      <p:par>
+        <p:cTn id="1" dur="indefinite" restart="never" nodeType="tmRoot"/>
+      </p:par>
+    </p:tnLst>
+  </p:timing>
+</p:sld>
+</file>
+
+<file path=ppt/slides/slide7.xml><?xml version="1.0" encoding="utf-8"?>
+<p:sld xmlns:a="http://schemas.openxmlformats.org/drawingml/2006/main" xmlns:r="http://schemas.openxmlformats.org/officeDocument/2006/relationships" xmlns:p="http://schemas.openxmlformats.org/presentationml/2006/main">
+  <p:cSld>
+    <p:spTree>
+      <p:nvGrpSpPr>
+        <p:cNvPr id="1" name=""/>
+        <p:cNvGrpSpPr/>
+        <p:nvPr/>
+      </p:nvGrpSpPr>
+      <p:grpSpPr>
+        <a:xfrm>
+          <a:off x="0" y="0"/>
+          <a:ext cx="0" cy="0"/>
+          <a:chOff x="0" y="0"/>
+          <a:chExt cx="0" cy="0"/>
+        </a:xfrm>
+      </p:grpSpPr>
+      <p:sp>
+        <p:nvSpPr>
+          <p:cNvPr id="2" name="Titre 1"/>
+          <p:cNvSpPr>
+            <a:spLocks noGrp="1"/>
+          </p:cNvSpPr>
+          <p:nvPr>
+            <p:ph type="title"/>
+          </p:nvPr>
+        </p:nvSpPr>
+        <p:spPr>
+          <a:xfrm>
+            <a:off x="1086644" y="685800"/>
+            <a:ext cx="10018713" cy="1752599"/>
+          </a:xfrm>
+        </p:spPr>
+        <p:txBody>
+          <a:bodyPr/>
+          <a:lstStyle/>
+          <a:p>
+            <a:r>
               <a:rPr lang="fr-FR" dirty="0" err="1" smtClean="0"/>
               <a:t>GitHub</a:t>
             </a:r>
@@ -7831,7 +8026,7 @@
           <a:p>
             <a:fld id="{0DD03FE7-2333-2949-8B32-25F7C937CE7F}" type="slidenum">
               <a:rPr lang="fr-FR" smtClean="0"/>
-              <a:t>6</a:t>
+              <a:t>7</a:t>
             </a:fld>
             <a:endParaRPr lang="fr-FR"/>
           </a:p>
@@ -7839,7 +8034,7 @@
       </p:sp>
       <p:sp>
         <p:nvSpPr>
-          <p:cNvPr id="4" name="PB"/>
+          <p:cNvPr id="3" name="PB"/>
           <p:cNvSpPr/>
           <p:nvPr/>
         </p:nvSpPr>
@@ -7852,7 +8047,7 @@
             <a:avLst/>
           </a:prstGeom>
           <a:solidFill>
-            <a:srgbClr val="4ACBFA"/>
+            <a:srgbClr val="FFFFFF"/>
           </a:solidFill>
         </p:spPr>
         <p:style>

--- a/Presentation/PresC4.pptx
+++ b/Presentation/PresC4.pptx
@@ -5,16 +5,17 @@
     <p:sldMasterId id="2147483719" r:id="rId1"/>
   </p:sldMasterIdLst>
   <p:notesMasterIdLst>
-    <p:notesMasterId r:id="rId9"/>
+    <p:notesMasterId r:id="rId10"/>
   </p:notesMasterIdLst>
   <p:sldIdLst>
     <p:sldId id="256" r:id="rId2"/>
     <p:sldId id="257" r:id="rId3"/>
     <p:sldId id="259" r:id="rId4"/>
     <p:sldId id="272" r:id="rId5"/>
-    <p:sldId id="262" r:id="rId6"/>
-    <p:sldId id="271" r:id="rId7"/>
-    <p:sldId id="261" r:id="rId8"/>
+    <p:sldId id="273" r:id="rId6"/>
+    <p:sldId id="262" r:id="rId7"/>
+    <p:sldId id="271" r:id="rId8"/>
+    <p:sldId id="261" r:id="rId9"/>
   </p:sldIdLst>
   <p:sldSz cx="12192000" cy="6858000"/>
   <p:notesSz cx="6858000" cy="9144000"/>
@@ -6667,14 +6668,14 @@
       </p:sp>
       <p:sp>
         <p:nvSpPr>
-          <p:cNvPr id="3" name="PB"/>
+          <p:cNvPr id="4" name="PB"/>
           <p:cNvSpPr/>
           <p:nvPr/>
         </p:nvSpPr>
         <p:spPr>
           <a:xfrm>
             <a:off x="0" y="6705600"/>
-            <a:ext cx="1741714" cy="152400"/>
+            <a:ext cx="1524000" cy="152400"/>
           </a:xfrm>
           <a:prstGeom prst="rect">
             <a:avLst/>
@@ -6866,14 +6867,14 @@
       </p:sp>
       <p:sp>
         <p:nvSpPr>
-          <p:cNvPr id="4" name="PB"/>
+          <p:cNvPr id="6" name="PB"/>
           <p:cNvSpPr/>
           <p:nvPr/>
         </p:nvSpPr>
         <p:spPr>
           <a:xfrm>
             <a:off x="0" y="6705600"/>
-            <a:ext cx="3483428" cy="152400"/>
+            <a:ext cx="3048000" cy="152400"/>
           </a:xfrm>
           <a:prstGeom prst="rect">
             <a:avLst/>
@@ -7029,14 +7030,14 @@
       </p:pic>
       <p:sp>
         <p:nvSpPr>
-          <p:cNvPr id="4" name="PB"/>
+          <p:cNvPr id="5" name="PB"/>
           <p:cNvSpPr/>
           <p:nvPr/>
         </p:nvSpPr>
         <p:spPr>
           <a:xfrm>
             <a:off x="0" y="6705600"/>
-            <a:ext cx="5225143" cy="152400"/>
+            <a:ext cx="4572000" cy="152400"/>
           </a:xfrm>
           <a:prstGeom prst="rect">
             <a:avLst/>
@@ -7192,14 +7193,14 @@
       </p:pic>
       <p:sp>
         <p:nvSpPr>
-          <p:cNvPr id="5" name="PB"/>
+          <p:cNvPr id="6" name="PB"/>
           <p:cNvSpPr/>
           <p:nvPr/>
         </p:nvSpPr>
         <p:spPr>
           <a:xfrm>
             <a:off x="0" y="6705600"/>
-            <a:ext cx="6966857" cy="152400"/>
+            <a:ext cx="6096000" cy="152400"/>
           </a:xfrm>
           <a:prstGeom prst="rect">
             <a:avLst/>
@@ -7272,153 +7273,7 @@
       </p:grpSpPr>
       <p:sp>
         <p:nvSpPr>
-          <p:cNvPr id="2" name="Titre 1"/>
-          <p:cNvSpPr>
-            <a:spLocks noGrp="1"/>
-          </p:cNvSpPr>
-          <p:nvPr>
-            <p:ph type="title"/>
-          </p:nvPr>
-        </p:nvSpPr>
-        <p:spPr>
-          <a:xfrm>
-            <a:off x="1086644" y="685800"/>
-            <a:ext cx="10018713" cy="1752599"/>
-          </a:xfrm>
-        </p:spPr>
-        <p:txBody>
-          <a:bodyPr/>
-          <a:lstStyle/>
-          <a:p>
-            <a:r>
-              <a:rPr lang="fr-FR" dirty="0" err="1"/>
-              <a:t>Deliverable</a:t>
-            </a:r>
-            <a:endParaRPr lang="fr-FR" dirty="0"/>
-          </a:p>
-        </p:txBody>
-      </p:sp>
-      <p:sp>
-        <p:nvSpPr>
-          <p:cNvPr id="3" name="Espace réservé du contenu 2"/>
-          <p:cNvSpPr>
-            <a:spLocks noGrp="1"/>
-          </p:cNvSpPr>
-          <p:nvPr>
-            <p:ph idx="1"/>
-          </p:nvPr>
-        </p:nvSpPr>
-        <p:spPr>
-          <a:xfrm>
-            <a:off x="3418088" y="2525486"/>
-            <a:ext cx="5355825" cy="2556193"/>
-          </a:xfrm>
-        </p:spPr>
-        <p:txBody>
-          <a:bodyPr numCol="1">
-            <a:normAutofit/>
-          </a:bodyPr>
-          <a:lstStyle/>
-          <a:p>
-            <a:r>
-              <a:rPr lang="fr-FR" sz="1800" b="1" dirty="0" err="1" smtClean="0"/>
-              <a:t>Some</a:t>
-            </a:r>
-            <a:r>
-              <a:rPr lang="fr-FR" sz="1800" b="1" dirty="0" smtClean="0"/>
-              <a:t> documentations : </a:t>
-            </a:r>
-            <a:r>
-              <a:rPr lang="fr-FR" sz="1800" b="1" dirty="0" err="1" smtClean="0"/>
-              <a:t>Ansible</a:t>
-            </a:r>
-            <a:r>
-              <a:rPr lang="fr-FR" sz="1800" b="1" dirty="0" smtClean="0"/>
-              <a:t> &amp; ELK</a:t>
-            </a:r>
-          </a:p>
-          <a:p>
-            <a:r>
-              <a:rPr lang="fr-FR" sz="1800" b="1" dirty="0" smtClean="0"/>
-              <a:t>Install </a:t>
-            </a:r>
-            <a:r>
-              <a:rPr lang="fr-FR" sz="1800" b="1" dirty="0" err="1" smtClean="0"/>
-              <a:t>playbooks</a:t>
-            </a:r>
-            <a:r>
-              <a:rPr lang="fr-FR" sz="1800" b="1" dirty="0" smtClean="0"/>
-              <a:t> </a:t>
-            </a:r>
-            <a:endParaRPr lang="fr-FR" sz="1800" b="1" dirty="0"/>
-          </a:p>
-          <a:p>
-            <a:r>
-              <a:rPr lang="fr-FR" sz="1800" b="1" dirty="0" err="1" smtClean="0"/>
-              <a:t>Rsyslog</a:t>
-            </a:r>
-            <a:r>
-              <a:rPr lang="fr-FR" sz="1800" b="1" dirty="0" smtClean="0"/>
-              <a:t> </a:t>
-            </a:r>
-            <a:r>
-              <a:rPr lang="fr-FR" sz="1800" b="1" dirty="0" err="1" smtClean="0"/>
-              <a:t>conf</a:t>
-            </a:r>
-            <a:r>
-              <a:rPr lang="fr-FR" sz="1800" b="1" dirty="0" smtClean="0"/>
-              <a:t> files</a:t>
-            </a:r>
-          </a:p>
-          <a:p>
-            <a:r>
-              <a:rPr lang="fr-FR" sz="1800" b="1" dirty="0" err="1" smtClean="0"/>
-              <a:t>Logstash</a:t>
-            </a:r>
-            <a:r>
-              <a:rPr lang="fr-FR" sz="1800" b="1" dirty="0" smtClean="0"/>
-              <a:t> </a:t>
-            </a:r>
-            <a:r>
-              <a:rPr lang="fr-FR" sz="1800" b="1" dirty="0" err="1" smtClean="0"/>
-              <a:t>groks</a:t>
-            </a:r>
-            <a:endParaRPr lang="fr-FR" sz="1800" b="1" dirty="0" smtClean="0"/>
-          </a:p>
-          <a:p>
-            <a:r>
-              <a:rPr lang="fr-FR" sz="1800" b="1" dirty="0" err="1" smtClean="0"/>
-              <a:t>Templates</a:t>
-            </a:r>
-            <a:r>
-              <a:rPr lang="fr-FR" sz="1800" b="1" dirty="0" smtClean="0"/>
-              <a:t> exemples (</a:t>
-            </a:r>
-            <a:r>
-              <a:rPr lang="fr-FR" sz="1800" b="1" dirty="0" err="1" smtClean="0"/>
-              <a:t>nginx,syslog,apache</a:t>
-            </a:r>
-            <a:r>
-              <a:rPr lang="fr-FR" sz="1800" b="1" dirty="0" smtClean="0"/>
-              <a:t>,</a:t>
-            </a:r>
-            <a:r>
-              <a:rPr lang="is-IS" sz="1800" b="1" dirty="0" smtClean="0"/>
-              <a:t>…</a:t>
-            </a:r>
-            <a:r>
-              <a:rPr lang="fr-FR" sz="1800" b="1" dirty="0" smtClean="0"/>
-              <a:t>)</a:t>
-            </a:r>
-          </a:p>
-          <a:p>
-            <a:endParaRPr lang="fr-FR" sz="1800" dirty="0"/>
-          </a:p>
-        </p:txBody>
-      </p:sp>
-      <p:sp>
-        <p:nvSpPr>
-          <p:cNvPr id="4" name="Espace réservé du numéro de diapositive 3"/>
+          <p:cNvPr id="9" name="Espace réservé du numéro de diapositive 8"/>
           <p:cNvSpPr>
             <a:spLocks noGrp="1"/>
           </p:cNvSpPr>
@@ -7441,14 +7296,14 @@
       </p:sp>
       <p:sp>
         <p:nvSpPr>
-          <p:cNvPr id="6" name="ZoneTexte 5"/>
+          <p:cNvPr id="12" name="ZoneTexte 11"/>
           <p:cNvSpPr txBox="1"/>
           <p:nvPr/>
         </p:nvSpPr>
         <p:spPr>
           <a:xfrm>
-            <a:off x="1700310" y="5168766"/>
-            <a:ext cx="8599021" cy="523220"/>
+            <a:off x="1551709" y="351196"/>
+            <a:ext cx="5655873" cy="646331"/>
           </a:xfrm>
           <a:prstGeom prst="rect">
             <a:avLst/>
@@ -7456,53 +7311,367 @@
           <a:noFill/>
         </p:spPr>
         <p:txBody>
+          <a:bodyPr wrap="square" rtlCol="0">
+            <a:spAutoFit/>
+          </a:bodyPr>
+          <a:lstStyle/>
+          <a:p>
+            <a:r>
+              <a:rPr lang="fr-FR" sz="3600" dirty="0" smtClean="0"/>
+              <a:t>Documentation</a:t>
+            </a:r>
+            <a:endParaRPr lang="fr-FR" dirty="0"/>
+          </a:p>
+        </p:txBody>
+      </p:sp>
+      <p:sp>
+        <p:nvSpPr>
+          <p:cNvPr id="3" name="ZoneTexte 2"/>
+          <p:cNvSpPr txBox="1"/>
+          <p:nvPr/>
+        </p:nvSpPr>
+        <p:spPr>
+          <a:xfrm>
+            <a:off x="5569528" y="351196"/>
+            <a:ext cx="5003293" cy="6186309"/>
+          </a:xfrm>
+          <a:prstGeom prst="rect">
+            <a:avLst/>
+          </a:prstGeom>
+          <a:noFill/>
+        </p:spPr>
+        <p:txBody>
           <a:bodyPr wrap="none" rtlCol="0">
             <a:spAutoFit/>
           </a:bodyPr>
           <a:lstStyle/>
           <a:p>
             <a:r>
-              <a:rPr lang="fr-FR" sz="2800" dirty="0" err="1" smtClean="0"/>
-              <a:t>Available</a:t>
-            </a:r>
-            <a:r>
-              <a:rPr lang="fr-FR" sz="2800" dirty="0" smtClean="0"/>
-              <a:t> </a:t>
-            </a:r>
-            <a:r>
-              <a:rPr lang="fr-FR" sz="2800" dirty="0" err="1" smtClean="0"/>
-              <a:t>here</a:t>
-            </a:r>
-            <a:r>
-              <a:rPr lang="fr-FR" sz="2800" dirty="0"/>
-              <a:t> </a:t>
-            </a:r>
-            <a:r>
-              <a:rPr lang="fr-FR" sz="2800" dirty="0">
-                <a:hlinkClick r:id="rId2"/>
-              </a:rPr>
-              <a:t>https://</a:t>
-            </a:r>
-            <a:r>
-              <a:rPr lang="fr-FR" sz="2800" dirty="0" smtClean="0">
-                <a:hlinkClick r:id="rId2"/>
-              </a:rPr>
-              <a:t>github.com/Nodulaire/ELK-Ansible</a:t>
-            </a:r>
-            <a:endParaRPr lang="fr-FR" sz="2800" dirty="0" smtClean="0"/>
-          </a:p>
-        </p:txBody>
-      </p:sp>
-      <p:sp>
-        <p:nvSpPr>
-          <p:cNvPr id="5" name="PB"/>
+              <a:rPr lang="fr-FR" dirty="0"/>
+              <a:t>Documentation/</a:t>
+            </a:r>
+          </a:p>
+          <a:p>
+            <a:r>
+              <a:rPr lang="fr-FR" dirty="0"/>
+              <a:t>├── Ansible-Install-v1.md</a:t>
+            </a:r>
+          </a:p>
+          <a:p>
+            <a:r>
+              <a:rPr lang="fr-FR" dirty="0"/>
+              <a:t>├── ELK-Stack-Deployment-v1.md</a:t>
+            </a:r>
+          </a:p>
+          <a:p>
+            <a:r>
+              <a:rPr lang="fr-FR" dirty="0"/>
+              <a:t>├── Elasticsearch-Info-v1.md</a:t>
+            </a:r>
+          </a:p>
+          <a:p>
+            <a:r>
+              <a:rPr lang="fr-FR" dirty="0"/>
+              <a:t>├── Images</a:t>
+            </a:r>
+          </a:p>
+          <a:p>
+            <a:r>
+              <a:rPr lang="de-DE" dirty="0" smtClean="0"/>
+              <a:t> │</a:t>
+            </a:r>
+            <a:r>
+              <a:rPr lang="de-DE" dirty="0"/>
+              <a:t>   ├── </a:t>
+            </a:r>
+            <a:r>
+              <a:rPr lang="de-DE" dirty="0" err="1"/>
+              <a:t>Ansible</a:t>
+            </a:r>
+            <a:endParaRPr lang="de-DE" dirty="0"/>
+          </a:p>
+          <a:p>
+            <a:r>
+              <a:rPr lang="de-DE" dirty="0" smtClean="0"/>
+              <a:t> │</a:t>
+            </a:r>
+            <a:r>
+              <a:rPr lang="de-DE" dirty="0"/>
+              <a:t>   </a:t>
+            </a:r>
+            <a:r>
+              <a:rPr lang="de-DE" dirty="0" smtClean="0"/>
+              <a:t> │</a:t>
+            </a:r>
+            <a:r>
+              <a:rPr lang="de-DE" dirty="0"/>
+              <a:t>   ├── </a:t>
+            </a:r>
+            <a:r>
+              <a:rPr lang="de-DE" dirty="0" err="1"/>
+              <a:t>ansible_deployement_playbook.png</a:t>
+            </a:r>
+            <a:endParaRPr lang="de-DE" dirty="0"/>
+          </a:p>
+          <a:p>
+            <a:r>
+              <a:rPr lang="pt-BR" dirty="0" smtClean="0"/>
+              <a:t> │</a:t>
+            </a:r>
+            <a:r>
+              <a:rPr lang="pt-BR" dirty="0"/>
+              <a:t>   </a:t>
+            </a:r>
+            <a:r>
+              <a:rPr lang="pt-BR" dirty="0" smtClean="0"/>
+              <a:t> │</a:t>
+            </a:r>
+            <a:r>
+              <a:rPr lang="pt-BR" dirty="0"/>
+              <a:t>   ├── </a:t>
+            </a:r>
+            <a:r>
+              <a:rPr lang="pt-BR" dirty="0" err="1"/>
+              <a:t>ansible_logo.png</a:t>
+            </a:r>
+            <a:endParaRPr lang="pt-BR" dirty="0"/>
+          </a:p>
+          <a:p>
+            <a:r>
+              <a:rPr lang="pt-BR" dirty="0" smtClean="0"/>
+              <a:t> │</a:t>
+            </a:r>
+            <a:r>
+              <a:rPr lang="pt-BR" dirty="0"/>
+              <a:t>   </a:t>
+            </a:r>
+            <a:r>
+              <a:rPr lang="pt-BR" dirty="0" smtClean="0"/>
+              <a:t> │</a:t>
+            </a:r>
+            <a:r>
+              <a:rPr lang="pt-BR" dirty="0"/>
+              <a:t>   ├── </a:t>
+            </a:r>
+            <a:r>
+              <a:rPr lang="pt-BR" dirty="0" err="1"/>
+              <a:t>ansible_principe_schema</a:t>
+            </a:r>
+            <a:endParaRPr lang="pt-BR" dirty="0"/>
+          </a:p>
+          <a:p>
+            <a:r>
+              <a:rPr lang="pt-BR" dirty="0" smtClean="0"/>
+              <a:t> │</a:t>
+            </a:r>
+            <a:r>
+              <a:rPr lang="pt-BR" dirty="0"/>
+              <a:t>   </a:t>
+            </a:r>
+            <a:r>
+              <a:rPr lang="pt-BR" dirty="0" smtClean="0"/>
+              <a:t> │</a:t>
+            </a:r>
+            <a:r>
+              <a:rPr lang="pt-BR" dirty="0"/>
+              <a:t>   └── </a:t>
+            </a:r>
+            <a:r>
+              <a:rPr lang="pt-BR" dirty="0" err="1"/>
+              <a:t>ansible_principe_schema.png</a:t>
+            </a:r>
+            <a:endParaRPr lang="pt-BR" dirty="0"/>
+          </a:p>
+          <a:p>
+            <a:r>
+              <a:rPr lang="pl-PL" dirty="0" smtClean="0"/>
+              <a:t> │</a:t>
+            </a:r>
+            <a:r>
+              <a:rPr lang="pl-PL" dirty="0"/>
+              <a:t>   ├── </a:t>
+            </a:r>
+            <a:r>
+              <a:rPr lang="pl-PL" dirty="0" err="1"/>
+              <a:t>Kibana</a:t>
+            </a:r>
+            <a:endParaRPr lang="pl-PL" dirty="0"/>
+          </a:p>
+          <a:p>
+            <a:r>
+              <a:rPr lang="pl-PL" dirty="0" smtClean="0"/>
+              <a:t> │</a:t>
+            </a:r>
+            <a:r>
+              <a:rPr lang="pl-PL" dirty="0"/>
+              <a:t>   </a:t>
+            </a:r>
+            <a:r>
+              <a:rPr lang="pl-PL" dirty="0" smtClean="0"/>
+              <a:t> │</a:t>
+            </a:r>
+            <a:r>
+              <a:rPr lang="pl-PL" dirty="0"/>
+              <a:t>   ├── </a:t>
+            </a:r>
+            <a:r>
+              <a:rPr lang="pl-PL" dirty="0" err="1"/>
+              <a:t>Kibana-info-extendedLog.png</a:t>
+            </a:r>
+            <a:endParaRPr lang="pl-PL" dirty="0"/>
+          </a:p>
+          <a:p>
+            <a:r>
+              <a:rPr lang="pl-PL" dirty="0" smtClean="0"/>
+              <a:t> │</a:t>
+            </a:r>
+            <a:r>
+              <a:rPr lang="pl-PL" dirty="0"/>
+              <a:t>   </a:t>
+            </a:r>
+            <a:r>
+              <a:rPr lang="pl-PL" dirty="0" smtClean="0"/>
+              <a:t> │</a:t>
+            </a:r>
+            <a:r>
+              <a:rPr lang="pl-PL" dirty="0"/>
+              <a:t>   ├── </a:t>
+            </a:r>
+            <a:r>
+              <a:rPr lang="pl-PL" dirty="0" err="1"/>
+              <a:t>Kibana-info-loading.png</a:t>
+            </a:r>
+            <a:endParaRPr lang="pl-PL" dirty="0"/>
+          </a:p>
+          <a:p>
+            <a:r>
+              <a:rPr lang="pl-PL" dirty="0" smtClean="0"/>
+              <a:t> │</a:t>
+            </a:r>
+            <a:r>
+              <a:rPr lang="pl-PL" dirty="0"/>
+              <a:t>   </a:t>
+            </a:r>
+            <a:r>
+              <a:rPr lang="pl-PL" dirty="0" smtClean="0"/>
+              <a:t> │</a:t>
+            </a:r>
+            <a:r>
+              <a:rPr lang="pl-PL" dirty="0"/>
+              <a:t>   └── </a:t>
+            </a:r>
+            <a:r>
+              <a:rPr lang="pl-PL" dirty="0" err="1"/>
+              <a:t>Kibana-info-visualise.png</a:t>
+            </a:r>
+            <a:endParaRPr lang="pl-PL" dirty="0"/>
+          </a:p>
+          <a:p>
+            <a:r>
+              <a:rPr lang="pt-BR" dirty="0" smtClean="0"/>
+              <a:t> │</a:t>
+            </a:r>
+            <a:r>
+              <a:rPr lang="pt-BR" dirty="0"/>
+              <a:t>   └── </a:t>
+            </a:r>
+            <a:r>
+              <a:rPr lang="pt-BR" dirty="0" err="1"/>
+              <a:t>Maquette</a:t>
+            </a:r>
+            <a:endParaRPr lang="pt-BR" dirty="0"/>
+          </a:p>
+          <a:p>
+            <a:r>
+              <a:rPr lang="pt-BR" dirty="0" smtClean="0"/>
+              <a:t> │</a:t>
+            </a:r>
+            <a:r>
+              <a:rPr lang="pt-BR" dirty="0"/>
+              <a:t>       ├── infra-</a:t>
+            </a:r>
+            <a:r>
+              <a:rPr lang="pt-BR" dirty="0" err="1"/>
+              <a:t>maquette.png</a:t>
+            </a:r>
+            <a:endParaRPr lang="pt-BR" dirty="0"/>
+          </a:p>
+          <a:p>
+            <a:r>
+              <a:rPr lang="pt-BR" dirty="0" smtClean="0"/>
+              <a:t> │</a:t>
+            </a:r>
+            <a:r>
+              <a:rPr lang="pt-BR" dirty="0"/>
+              <a:t>       ├── infra-</a:t>
+            </a:r>
+            <a:r>
+              <a:rPr lang="pt-BR" dirty="0" err="1"/>
+              <a:t>maquette.xml</a:t>
+            </a:r>
+            <a:endParaRPr lang="pt-BR" dirty="0"/>
+          </a:p>
+          <a:p>
+            <a:r>
+              <a:rPr lang="de-DE" dirty="0" smtClean="0"/>
+              <a:t> │</a:t>
+            </a:r>
+            <a:r>
+              <a:rPr lang="de-DE" dirty="0"/>
+              <a:t>       └── </a:t>
+            </a:r>
+            <a:r>
+              <a:rPr lang="de-DE" dirty="0" err="1"/>
+              <a:t>timeline.png</a:t>
+            </a:r>
+            <a:endParaRPr lang="de-DE" dirty="0"/>
+          </a:p>
+          <a:p>
+            <a:r>
+              <a:rPr lang="de-DE" dirty="0"/>
+              <a:t>├── Kibana-Info-v1.md</a:t>
+            </a:r>
+          </a:p>
+          <a:p>
+            <a:r>
+              <a:rPr lang="de-DE" dirty="0"/>
+              <a:t>├── Logstash-Info-v1.md</a:t>
+            </a:r>
+          </a:p>
+          <a:p>
+            <a:r>
+              <a:rPr lang="de-DE" dirty="0"/>
+              <a:t>├── </a:t>
+            </a:r>
+            <a:r>
+              <a:rPr lang="de-DE" dirty="0" err="1"/>
+              <a:t>README.md</a:t>
+            </a:r>
+            <a:endParaRPr lang="de-DE" dirty="0"/>
+          </a:p>
+          <a:p>
+            <a:r>
+              <a:rPr lang="de-DE" dirty="0" smtClean="0"/>
+              <a:t> └── </a:t>
+            </a:r>
+            <a:r>
+              <a:rPr lang="de-DE" dirty="0" err="1"/>
+              <a:t>Workflow.md</a:t>
+            </a:r>
+            <a:endParaRPr lang="fr-FR" dirty="0"/>
+          </a:p>
+        </p:txBody>
+      </p:sp>
+      <p:sp>
+        <p:nvSpPr>
+          <p:cNvPr id="6" name="PB"/>
           <p:cNvSpPr/>
           <p:nvPr/>
         </p:nvSpPr>
         <p:spPr>
           <a:xfrm>
             <a:off x="0" y="6705600"/>
-            <a:ext cx="8708572" cy="152400"/>
+            <a:ext cx="7620000" cy="152400"/>
           </a:xfrm>
           <a:prstGeom prst="rect">
             <a:avLst/>
@@ -7539,7 +7708,7 @@
     </p:spTree>
     <p:extLst>
       <p:ext uri="{BB962C8B-B14F-4D97-AF65-F5344CB8AC3E}">
-        <p14:creationId xmlns:p14="http://schemas.microsoft.com/office/powerpoint/2010/main" val="1128292480"/>
+        <p14:creationId xmlns:p14="http://schemas.microsoft.com/office/powerpoint/2010/main" val="1740895420"/>
       </p:ext>
     </p:extLst>
   </p:cSld>
@@ -7595,15 +7764,7 @@
           <a:p>
             <a:r>
               <a:rPr lang="fr-FR" dirty="0" err="1"/>
-              <a:t>B</a:t>
-            </a:r>
-            <a:r>
-              <a:rPr lang="fr-FR" dirty="0" err="1" smtClean="0"/>
-              <a:t>locking</a:t>
-            </a:r>
-            <a:r>
-              <a:rPr lang="fr-FR" dirty="0" smtClean="0"/>
-              <a:t> point</a:t>
+              <a:t>Deliverable</a:t>
             </a:r>
             <a:endParaRPr lang="fr-FR" dirty="0"/>
           </a:p>
@@ -7621,8 +7782,8 @@
         </p:nvSpPr>
         <p:spPr>
           <a:xfrm>
-            <a:off x="2880227" y="2213127"/>
-            <a:ext cx="6431547" cy="1939637"/>
+            <a:off x="3418088" y="2525486"/>
+            <a:ext cx="5355825" cy="2556193"/>
           </a:xfrm>
         </p:spPr>
         <p:txBody>
@@ -7632,65 +7793,98 @@
           <a:lstStyle/>
           <a:p>
             <a:r>
+              <a:rPr lang="fr-FR" sz="1800" b="1" dirty="0" err="1" smtClean="0"/>
+              <a:t>Some</a:t>
+            </a:r>
+            <a:r>
               <a:rPr lang="fr-FR" sz="1800" b="1" dirty="0" smtClean="0"/>
-              <a:t>Standardisation of the </a:t>
+              <a:t> documentations : </a:t>
             </a:r>
             <a:r>
               <a:rPr lang="fr-FR" sz="1800" b="1" dirty="0" err="1" smtClean="0"/>
-              <a:t>received</a:t>
+              <a:t>Ansible</a:t>
             </a:r>
             <a:r>
               <a:rPr lang="fr-FR" sz="1800" b="1" dirty="0" smtClean="0"/>
-              <a:t> logs ( </a:t>
+              <a:t> &amp; ELK</a:t>
+            </a:r>
+          </a:p>
+          <a:p>
+            <a:r>
+              <a:rPr lang="fr-FR" sz="1800" b="1" dirty="0" smtClean="0"/>
+              <a:t>Install </a:t>
             </a:r>
             <a:r>
               <a:rPr lang="fr-FR" sz="1800" b="1" dirty="0" err="1" smtClean="0"/>
-              <a:t>grok</a:t>
-            </a:r>
-            <a:r>
-              <a:rPr lang="fr-FR" sz="1800" b="1" dirty="0" smtClean="0"/>
-              <a:t> )</a:t>
-            </a:r>
-          </a:p>
-          <a:p>
-            <a:r>
-              <a:rPr lang="fr-FR" sz="1800" b="1" dirty="0" err="1" smtClean="0"/>
-              <a:t>Sizing</a:t>
-            </a:r>
-            <a:r>
-              <a:rPr lang="fr-FR" sz="1800" b="1" dirty="0" smtClean="0"/>
-              <a:t> of the hardware</a:t>
-            </a:r>
-          </a:p>
-          <a:p>
-            <a:r>
-              <a:rPr lang="fr-FR" sz="1800" b="1" dirty="0" smtClean="0"/>
-              <a:t>Relevant </a:t>
-            </a:r>
-            <a:r>
-              <a:rPr lang="fr-FR" sz="1800" b="1" dirty="0" err="1" smtClean="0"/>
-              <a:t>kibana</a:t>
+              <a:t>playbooks</a:t>
             </a:r>
             <a:r>
               <a:rPr lang="fr-FR" sz="1800" b="1" dirty="0" smtClean="0"/>
               <a:t> </a:t>
             </a:r>
+            <a:endParaRPr lang="fr-FR" sz="1800" b="1" dirty="0"/>
+          </a:p>
+          <a:p>
             <a:r>
               <a:rPr lang="fr-FR" sz="1800" b="1" dirty="0" err="1" smtClean="0"/>
-              <a:t>dashboard</a:t>
+              <a:t>Rsyslog</a:t>
+            </a:r>
+            <a:r>
+              <a:rPr lang="fr-FR" sz="1800" b="1" dirty="0" smtClean="0"/>
+              <a:t> </a:t>
+            </a:r>
+            <a:r>
+              <a:rPr lang="fr-FR" sz="1800" b="1" dirty="0" err="1" smtClean="0"/>
+              <a:t>conf</a:t>
+            </a:r>
+            <a:r>
+              <a:rPr lang="fr-FR" sz="1800" b="1" dirty="0" smtClean="0"/>
+              <a:t> files</a:t>
+            </a:r>
+          </a:p>
+          <a:p>
+            <a:r>
+              <a:rPr lang="fr-FR" sz="1800" b="1" dirty="0" err="1" smtClean="0"/>
+              <a:t>Logstash</a:t>
+            </a:r>
+            <a:r>
+              <a:rPr lang="fr-FR" sz="1800" b="1" dirty="0" smtClean="0"/>
+              <a:t> </a:t>
+            </a:r>
+            <a:r>
+              <a:rPr lang="fr-FR" sz="1800" b="1" dirty="0" err="1" smtClean="0"/>
+              <a:t>groks</a:t>
             </a:r>
             <a:endParaRPr lang="fr-FR" sz="1800" b="1" dirty="0" smtClean="0"/>
           </a:p>
           <a:p>
             <a:r>
+              <a:rPr lang="fr-FR" sz="1800" b="1" dirty="0" err="1" smtClean="0"/>
+              <a:t>Templates</a:t>
+            </a:r>
+            <a:r>
               <a:rPr lang="fr-FR" sz="1800" b="1" dirty="0" smtClean="0"/>
-              <a:t>PKI </a:t>
+              <a:t> exemples (</a:t>
             </a:r>
             <a:r>
               <a:rPr lang="fr-FR" sz="1800" b="1" dirty="0" err="1" smtClean="0"/>
-              <a:t>Integration</a:t>
-            </a:r>
-            <a:endParaRPr lang="fr-FR" sz="1800" b="1" dirty="0" smtClean="0"/>
+              <a:t>nginx,syslog,apache</a:t>
+            </a:r>
+            <a:r>
+              <a:rPr lang="fr-FR" sz="1800" b="1" dirty="0" smtClean="0"/>
+              <a:t>,</a:t>
+            </a:r>
+            <a:r>
+              <a:rPr lang="is-IS" sz="1800" b="1" dirty="0" smtClean="0"/>
+              <a:t>…</a:t>
+            </a:r>
+            <a:r>
+              <a:rPr lang="fr-FR" sz="1800" b="1" dirty="0" smtClean="0"/>
+              <a:t>)</a:t>
+            </a:r>
+          </a:p>
+          <a:p>
+            <a:endParaRPr lang="fr-FR" sz="1800" dirty="0"/>
           </a:p>
         </p:txBody>
       </p:sp>
@@ -7719,14 +7913,14 @@
       </p:sp>
       <p:sp>
         <p:nvSpPr>
-          <p:cNvPr id="5" name="ZoneTexte 4"/>
+          <p:cNvPr id="6" name="ZoneTexte 5"/>
           <p:cNvSpPr txBox="1"/>
           <p:nvPr/>
         </p:nvSpPr>
         <p:spPr>
           <a:xfrm>
-            <a:off x="5726243" y="3028013"/>
-            <a:ext cx="184731" cy="369332"/>
+            <a:off x="1700310" y="5168766"/>
+            <a:ext cx="8599021" cy="523220"/>
           </a:xfrm>
           <a:prstGeom prst="rect">
             <a:avLst/>
@@ -7739,20 +7933,48 @@
           </a:bodyPr>
           <a:lstStyle/>
           <a:p>
-            <a:endParaRPr lang="fr-FR" dirty="0"/>
-          </a:p>
-        </p:txBody>
-      </p:sp>
-      <p:sp>
-        <p:nvSpPr>
-          <p:cNvPr id="6" name="PB"/>
+            <a:r>
+              <a:rPr lang="fr-FR" sz="2800" dirty="0" err="1" smtClean="0"/>
+              <a:t>Available</a:t>
+            </a:r>
+            <a:r>
+              <a:rPr lang="fr-FR" sz="2800" dirty="0" smtClean="0"/>
+              <a:t> </a:t>
+            </a:r>
+            <a:r>
+              <a:rPr lang="fr-FR" sz="2800" dirty="0" err="1" smtClean="0"/>
+              <a:t>here</a:t>
+            </a:r>
+            <a:r>
+              <a:rPr lang="fr-FR" sz="2800" dirty="0"/>
+              <a:t> </a:t>
+            </a:r>
+            <a:r>
+              <a:rPr lang="fr-FR" sz="2800" dirty="0">
+                <a:hlinkClick r:id="rId2"/>
+              </a:rPr>
+              <a:t>https://</a:t>
+            </a:r>
+            <a:r>
+              <a:rPr lang="fr-FR" sz="2800" dirty="0" smtClean="0">
+                <a:hlinkClick r:id="rId2"/>
+              </a:rPr>
+              <a:t>github.com/Nodulaire/ELK-Ansible</a:t>
+            </a:r>
+            <a:endParaRPr lang="fr-FR" sz="2800" dirty="0" smtClean="0"/>
+          </a:p>
+        </p:txBody>
+      </p:sp>
+      <p:sp>
+        <p:nvSpPr>
+          <p:cNvPr id="8" name="PB"/>
           <p:cNvSpPr/>
           <p:nvPr/>
         </p:nvSpPr>
         <p:spPr>
           <a:xfrm>
             <a:off x="0" y="6705600"/>
-            <a:ext cx="10450285" cy="152400"/>
+            <a:ext cx="9144000" cy="152400"/>
           </a:xfrm>
           <a:prstGeom prst="rect">
             <a:avLst/>
@@ -7789,7 +8011,7 @@
     </p:spTree>
     <p:extLst>
       <p:ext uri="{BB962C8B-B14F-4D97-AF65-F5344CB8AC3E}">
-        <p14:creationId xmlns:p14="http://schemas.microsoft.com/office/powerpoint/2010/main" val="1526823771"/>
+        <p14:creationId xmlns:p14="http://schemas.microsoft.com/office/powerpoint/2010/main" val="1128292480"/>
       </p:ext>
     </p:extLst>
   </p:cSld>
@@ -7844,6 +8066,256 @@
           <a:lstStyle/>
           <a:p>
             <a:r>
+              <a:rPr lang="fr-FR" dirty="0" err="1"/>
+              <a:t>B</a:t>
+            </a:r>
+            <a:r>
+              <a:rPr lang="fr-FR" dirty="0" err="1" smtClean="0"/>
+              <a:t>locking</a:t>
+            </a:r>
+            <a:r>
+              <a:rPr lang="fr-FR" dirty="0" smtClean="0"/>
+              <a:t> point</a:t>
+            </a:r>
+            <a:endParaRPr lang="fr-FR" dirty="0"/>
+          </a:p>
+        </p:txBody>
+      </p:sp>
+      <p:sp>
+        <p:nvSpPr>
+          <p:cNvPr id="3" name="Espace réservé du contenu 2"/>
+          <p:cNvSpPr>
+            <a:spLocks noGrp="1"/>
+          </p:cNvSpPr>
+          <p:nvPr>
+            <p:ph idx="1"/>
+          </p:nvPr>
+        </p:nvSpPr>
+        <p:spPr>
+          <a:xfrm>
+            <a:off x="2880227" y="2213127"/>
+            <a:ext cx="6431547" cy="1939637"/>
+          </a:xfrm>
+        </p:spPr>
+        <p:txBody>
+          <a:bodyPr numCol="1">
+            <a:normAutofit/>
+          </a:bodyPr>
+          <a:lstStyle/>
+          <a:p>
+            <a:r>
+              <a:rPr lang="fr-FR" sz="1800" b="1" dirty="0" smtClean="0"/>
+              <a:t>Standardisation of the </a:t>
+            </a:r>
+            <a:r>
+              <a:rPr lang="fr-FR" sz="1800" b="1" dirty="0" err="1" smtClean="0"/>
+              <a:t>received</a:t>
+            </a:r>
+            <a:r>
+              <a:rPr lang="fr-FR" sz="1800" b="1" dirty="0" smtClean="0"/>
+              <a:t> logs ( </a:t>
+            </a:r>
+            <a:r>
+              <a:rPr lang="fr-FR" sz="1800" b="1" dirty="0" err="1" smtClean="0"/>
+              <a:t>grok</a:t>
+            </a:r>
+            <a:r>
+              <a:rPr lang="fr-FR" sz="1800" b="1" dirty="0" smtClean="0"/>
+              <a:t> )</a:t>
+            </a:r>
+          </a:p>
+          <a:p>
+            <a:r>
+              <a:rPr lang="fr-FR" sz="1800" b="1" dirty="0" err="1" smtClean="0"/>
+              <a:t>Sizing</a:t>
+            </a:r>
+            <a:r>
+              <a:rPr lang="fr-FR" sz="1800" b="1" dirty="0" smtClean="0"/>
+              <a:t> of the hardware</a:t>
+            </a:r>
+          </a:p>
+          <a:p>
+            <a:r>
+              <a:rPr lang="fr-FR" sz="1800" b="1" dirty="0" smtClean="0"/>
+              <a:t>Relevant </a:t>
+            </a:r>
+            <a:r>
+              <a:rPr lang="fr-FR" sz="1800" b="1" dirty="0" err="1" smtClean="0"/>
+              <a:t>kibana</a:t>
+            </a:r>
+            <a:r>
+              <a:rPr lang="fr-FR" sz="1800" b="1" dirty="0" smtClean="0"/>
+              <a:t> </a:t>
+            </a:r>
+            <a:r>
+              <a:rPr lang="fr-FR" sz="1800" b="1" dirty="0" err="1" smtClean="0"/>
+              <a:t>dashboard</a:t>
+            </a:r>
+            <a:endParaRPr lang="fr-FR" sz="1800" b="1" dirty="0" smtClean="0"/>
+          </a:p>
+          <a:p>
+            <a:r>
+              <a:rPr lang="fr-FR" sz="1800" b="1" dirty="0" smtClean="0"/>
+              <a:t>PKI </a:t>
+            </a:r>
+            <a:r>
+              <a:rPr lang="fr-FR" sz="1800" b="1" dirty="0" err="1" smtClean="0"/>
+              <a:t>Integration</a:t>
+            </a:r>
+            <a:endParaRPr lang="fr-FR" sz="1800" b="1" dirty="0" smtClean="0"/>
+          </a:p>
+        </p:txBody>
+      </p:sp>
+      <p:sp>
+        <p:nvSpPr>
+          <p:cNvPr id="4" name="Espace réservé du numéro de diapositive 3"/>
+          <p:cNvSpPr>
+            <a:spLocks noGrp="1"/>
+          </p:cNvSpPr>
+          <p:nvPr>
+            <p:ph type="sldNum" sz="quarter" idx="12"/>
+          </p:nvPr>
+        </p:nvSpPr>
+        <p:spPr/>
+        <p:txBody>
+          <a:bodyPr/>
+          <a:lstStyle/>
+          <a:p>
+            <a:fld id="{0DD03FE7-2333-2949-8B32-25F7C937CE7F}" type="slidenum">
+              <a:rPr lang="fr-FR" smtClean="0"/>
+              <a:t>7</a:t>
+            </a:fld>
+            <a:endParaRPr lang="fr-FR"/>
+          </a:p>
+        </p:txBody>
+      </p:sp>
+      <p:sp>
+        <p:nvSpPr>
+          <p:cNvPr id="5" name="ZoneTexte 4"/>
+          <p:cNvSpPr txBox="1"/>
+          <p:nvPr/>
+        </p:nvSpPr>
+        <p:spPr>
+          <a:xfrm>
+            <a:off x="5726243" y="3028013"/>
+            <a:ext cx="184731" cy="369332"/>
+          </a:xfrm>
+          <a:prstGeom prst="rect">
+            <a:avLst/>
+          </a:prstGeom>
+          <a:noFill/>
+        </p:spPr>
+        <p:txBody>
+          <a:bodyPr wrap="none" rtlCol="0">
+            <a:spAutoFit/>
+          </a:bodyPr>
+          <a:lstStyle/>
+          <a:p>
+            <a:endParaRPr lang="fr-FR" dirty="0"/>
+          </a:p>
+        </p:txBody>
+      </p:sp>
+      <p:sp>
+        <p:nvSpPr>
+          <p:cNvPr id="8" name="PB"/>
+          <p:cNvSpPr/>
+          <p:nvPr/>
+        </p:nvSpPr>
+        <p:spPr>
+          <a:xfrm>
+            <a:off x="0" y="6705600"/>
+            <a:ext cx="10668000" cy="152400"/>
+          </a:xfrm>
+          <a:prstGeom prst="rect">
+            <a:avLst/>
+          </a:prstGeom>
+          <a:solidFill>
+            <a:srgbClr val="FFFFFF"/>
+          </a:solidFill>
+        </p:spPr>
+        <p:style>
+          <a:lnRef idx="2">
+            <a:schemeClr val="accent1">
+              <a:shade val="50000"/>
+            </a:schemeClr>
+          </a:lnRef>
+          <a:fillRef idx="1">
+            <a:schemeClr val="accent1"/>
+          </a:fillRef>
+          <a:effectRef idx="0">
+            <a:schemeClr val="accent1"/>
+          </a:effectRef>
+          <a:fontRef idx="minor">
+            <a:schemeClr val="lt1"/>
+          </a:fontRef>
+        </p:style>
+        <p:txBody>
+          <a:bodyPr rtlCol="0" anchor="ctr"/>
+          <a:lstStyle/>
+          <a:p>
+            <a:pPr algn="ctr"/>
+            <a:endParaRPr lang="fr-FR"/>
+          </a:p>
+        </p:txBody>
+      </p:sp>
+    </p:spTree>
+    <p:extLst>
+      <p:ext uri="{BB962C8B-B14F-4D97-AF65-F5344CB8AC3E}">
+        <p14:creationId xmlns:p14="http://schemas.microsoft.com/office/powerpoint/2010/main" val="1526823771"/>
+      </p:ext>
+    </p:extLst>
+  </p:cSld>
+  <p:clrMapOvr>
+    <a:masterClrMapping/>
+  </p:clrMapOvr>
+  <p:timing>
+    <p:tnLst>
+      <p:par>
+        <p:cTn id="1" dur="indefinite" restart="never" nodeType="tmRoot"/>
+      </p:par>
+    </p:tnLst>
+  </p:timing>
+</p:sld>
+</file>
+
+<file path=ppt/slides/slide8.xml><?xml version="1.0" encoding="utf-8"?>
+<p:sld xmlns:a="http://schemas.openxmlformats.org/drawingml/2006/main" xmlns:r="http://schemas.openxmlformats.org/officeDocument/2006/relationships" xmlns:p="http://schemas.openxmlformats.org/presentationml/2006/main">
+  <p:cSld>
+    <p:spTree>
+      <p:nvGrpSpPr>
+        <p:cNvPr id="1" name=""/>
+        <p:cNvGrpSpPr/>
+        <p:nvPr/>
+      </p:nvGrpSpPr>
+      <p:grpSpPr>
+        <a:xfrm>
+          <a:off x="0" y="0"/>
+          <a:ext cx="0" cy="0"/>
+          <a:chOff x="0" y="0"/>
+          <a:chExt cx="0" cy="0"/>
+        </a:xfrm>
+      </p:grpSpPr>
+      <p:sp>
+        <p:nvSpPr>
+          <p:cNvPr id="2" name="Titre 1"/>
+          <p:cNvSpPr>
+            <a:spLocks noGrp="1"/>
+          </p:cNvSpPr>
+          <p:nvPr>
+            <p:ph type="title"/>
+          </p:nvPr>
+        </p:nvSpPr>
+        <p:spPr>
+          <a:xfrm>
+            <a:off x="1086644" y="685800"/>
+            <a:ext cx="10018713" cy="1752599"/>
+          </a:xfrm>
+        </p:spPr>
+        <p:txBody>
+          <a:bodyPr/>
+          <a:lstStyle/>
+          <a:p>
+            <a:r>
               <a:rPr lang="fr-FR" dirty="0" err="1" smtClean="0"/>
               <a:t>GitHub</a:t>
             </a:r>
@@ -8026,7 +8498,7 @@
           <a:p>
             <a:fld id="{0DD03FE7-2333-2949-8B32-25F7C937CE7F}" type="slidenum">
               <a:rPr lang="fr-FR" smtClean="0"/>
-              <a:t>7</a:t>
+              <a:t>8</a:t>
             </a:fld>
             <a:endParaRPr lang="fr-FR"/>
           </a:p>
@@ -8034,7 +8506,7 @@
       </p:sp>
       <p:sp>
         <p:nvSpPr>
-          <p:cNvPr id="3" name="PB"/>
+          <p:cNvPr id="5" name="PB"/>
           <p:cNvSpPr/>
           <p:nvPr/>
         </p:nvSpPr>
